--- a/docs/deployment_guide/images/amazon-rds-postgres-architecture-diagram.pptx
+++ b/docs/deployment_guide/images/amazon-rds-postgres-architecture-diagram.pptx
@@ -2971,41 +2971,6 @@
           <a:chExt cx="0" cy="0"/>
         </a:xfrm>
       </p:grpSpPr>
-      <p:pic>
-        <p:nvPicPr>
-          <p:cNvPr id="5" name="Graphic 4">
-            <a:extLst>
-              <a:ext uri="{FF2B5EF4-FFF2-40B4-BE49-F238E27FC236}">
-                <a16:creationId xmlns:a16="http://schemas.microsoft.com/office/drawing/2014/main" id="{8CEEF9FA-35DB-40F7-B827-78298AE62CE3}"/>
-              </a:ext>
-            </a:extLst>
-          </p:cNvPr>
-          <p:cNvPicPr>
-            <a:picLocks noChangeAspect="1"/>
-          </p:cNvPicPr>
-          <p:nvPr/>
-        </p:nvPicPr>
-        <p:blipFill>
-          <a:blip r:embed="rId2">
-            <a:extLst>
-              <a:ext uri="{96DAC541-7B7A-43D3-8B79-37D633B846F1}">
-                <asvg:svgBlip xmlns:asvg="http://schemas.microsoft.com/office/drawing/2016/SVG/main" r:embed="rId3"/>
-              </a:ext>
-            </a:extLst>
-          </a:blip>
-          <a:srcRect/>
-          <a:stretch/>
-        </p:blipFill>
-        <p:spPr>
-          <a:xfrm>
-            <a:off x="3213463" y="1463038"/>
-            <a:ext cx="431843" cy="381000"/>
-          </a:xfrm>
-          <a:prstGeom prst="rect">
-            <a:avLst/>
-          </a:prstGeom>
-        </p:spPr>
-      </p:pic>
       <p:sp>
         <p:nvSpPr>
           <p:cNvPr id="6" name="Rectangle 5">
@@ -3021,7 +2986,7 @@
         <p:spPr>
           <a:xfrm>
             <a:off x="3428160" y="2168435"/>
-            <a:ext cx="7334291" cy="5721532"/>
+            <a:ext cx="7334291" cy="5673815"/>
           </a:xfrm>
           <a:prstGeom prst="rect">
             <a:avLst/>
@@ -3090,8 +3055,8 @@
         </p:nvSpPr>
         <p:spPr>
           <a:xfrm>
-            <a:off x="3875314" y="1828800"/>
-            <a:ext cx="2303837" cy="6310489"/>
+            <a:off x="3875314" y="1828801"/>
+            <a:ext cx="2303837" cy="6178550"/>
           </a:xfrm>
           <a:prstGeom prst="rect">
             <a:avLst/>
@@ -3233,10 +3198,10 @@
           <p:nvPr/>
         </p:nvPicPr>
         <p:blipFill>
-          <a:blip r:embed="rId4">
+          <a:blip r:embed="rId2">
             <a:extLst>
               <a:ext uri="{96DAC541-7B7A-43D3-8B79-37D633B846F1}">
-                <asvg:svgBlip xmlns:asvg="http://schemas.microsoft.com/office/drawing/2016/SVG/main" r:embed="rId5"/>
+                <asvg:svgBlip xmlns:asvg="http://schemas.microsoft.com/office/drawing/2016/SVG/main" r:embed="rId3"/>
               </a:ext>
             </a:extLst>
           </a:blip>
@@ -3246,7 +3211,7 @@
         </p:blipFill>
         <p:spPr>
           <a:xfrm>
-            <a:off x="4145658" y="2631954"/>
+            <a:off x="4156527" y="2638759"/>
             <a:ext cx="381000" cy="381000"/>
           </a:xfrm>
           <a:prstGeom prst="rect">
@@ -3269,7 +3234,7 @@
         <p:spPr>
           <a:xfrm>
             <a:off x="8024943" y="1828798"/>
-            <a:ext cx="2303837" cy="6310490"/>
+            <a:ext cx="2303837" cy="6178550"/>
           </a:xfrm>
           <a:prstGeom prst="rect">
             <a:avLst/>
@@ -3411,10 +3376,10 @@
           <p:nvPr/>
         </p:nvPicPr>
         <p:blipFill>
-          <a:blip r:embed="rId4">
+          <a:blip r:embed="rId2">
             <a:extLst>
               <a:ext uri="{96DAC541-7B7A-43D3-8B79-37D633B846F1}">
-                <asvg:svgBlip xmlns:asvg="http://schemas.microsoft.com/office/drawing/2016/SVG/main" r:embed="rId5"/>
+                <asvg:svgBlip xmlns:asvg="http://schemas.microsoft.com/office/drawing/2016/SVG/main" r:embed="rId3"/>
               </a:ext>
             </a:extLst>
           </a:blip>
@@ -3447,7 +3412,7 @@
           <p:nvPr/>
         </p:nvPicPr>
         <p:blipFill>
-          <a:blip r:embed="rId6">
+          <a:blip r:embed="rId4">
             <a:extLst>
               <a:ext uri="{28A0092B-C50C-407E-A947-70E740481C1C}">
                 <a14:useLocalDpi xmlns:a14="http://schemas.microsoft.com/office/drawing/2010/main" val="0"/>
@@ -3668,7 +3633,7 @@
           <p:nvPr/>
         </p:nvPicPr>
         <p:blipFill>
-          <a:blip r:embed="rId6">
+          <a:blip r:embed="rId4">
             <a:alphaModFix amt="50000"/>
             <a:extLst>
               <a:ext uri="{28A0092B-C50C-407E-A947-70E740481C1C}">
@@ -3996,10 +3961,10 @@
           <p:nvPr/>
         </p:nvPicPr>
         <p:blipFill>
-          <a:blip r:embed="rId7">
+          <a:blip r:embed="rId5">
             <a:extLst>
               <a:ext uri="{96DAC541-7B7A-43D3-8B79-37D633B846F1}">
-                <asvg:svgBlip xmlns:asvg="http://schemas.microsoft.com/office/drawing/2016/SVG/main" r:embed="rId8"/>
+                <asvg:svgBlip xmlns:asvg="http://schemas.microsoft.com/office/drawing/2016/SVG/main" r:embed="rId6"/>
               </a:ext>
             </a:extLst>
           </a:blip>
@@ -4104,10 +4069,10 @@
           <p:nvPr/>
         </p:nvPicPr>
         <p:blipFill>
-          <a:blip r:embed="rId9">
+          <a:blip r:embed="rId7">
             <a:extLst>
               <a:ext uri="{96DAC541-7B7A-43D3-8B79-37D633B846F1}">
-                <asvg:svgBlip xmlns:asvg="http://schemas.microsoft.com/office/drawing/2016/SVG/main" r:embed="rId10"/>
+                <asvg:svgBlip xmlns:asvg="http://schemas.microsoft.com/office/drawing/2016/SVG/main" r:embed="rId8"/>
               </a:ext>
             </a:extLst>
           </a:blip>
@@ -4212,10 +4177,10 @@
           <p:nvPr/>
         </p:nvPicPr>
         <p:blipFill>
-          <a:blip r:embed="rId9">
+          <a:blip r:embed="rId7">
             <a:extLst>
               <a:ext uri="{96DAC541-7B7A-43D3-8B79-37D633B846F1}">
-                <asvg:svgBlip xmlns:asvg="http://schemas.microsoft.com/office/drawing/2016/SVG/main" r:embed="rId10"/>
+                <asvg:svgBlip xmlns:asvg="http://schemas.microsoft.com/office/drawing/2016/SVG/main" r:embed="rId8"/>
               </a:ext>
             </a:extLst>
           </a:blip>
@@ -4318,7 +4283,7 @@
           <p:nvPr/>
         </p:nvPicPr>
         <p:blipFill>
-          <a:blip r:embed="rId11">
+          <a:blip r:embed="rId9">
             <a:extLst>
               <a:ext uri="{28A0092B-C50C-407E-A947-70E740481C1C}">
                 <a14:useLocalDpi xmlns:a14="http://schemas.microsoft.com/office/drawing/2010/main" val="0"/>
@@ -4378,7 +4343,7 @@
           <p:nvPr/>
         </p:nvPicPr>
         <p:blipFill>
-          <a:blip r:embed="rId12">
+          <a:blip r:embed="rId10">
             <a:extLst>
               <a:ext uri="{28A0092B-C50C-407E-A947-70E740481C1C}">
                 <a14:useLocalDpi xmlns:a14="http://schemas.microsoft.com/office/drawing/2010/main" val="0"/>
@@ -4438,7 +4403,7 @@
           <p:nvPr/>
         </p:nvPicPr>
         <p:blipFill>
-          <a:blip r:embed="rId12">
+          <a:blip r:embed="rId10">
             <a:extLst>
               <a:ext uri="{28A0092B-C50C-407E-A947-70E740481C1C}">
                 <a14:useLocalDpi xmlns:a14="http://schemas.microsoft.com/office/drawing/2010/main" val="0"/>
@@ -4659,7 +4624,7 @@
           <p:nvPr/>
         </p:nvPicPr>
         <p:blipFill>
-          <a:blip r:embed="rId13">
+          <a:blip r:embed="rId11">
             <a:extLst>
               <a:ext uri="{28A0092B-C50C-407E-A947-70E740481C1C}">
                 <a14:useLocalDpi xmlns:a14="http://schemas.microsoft.com/office/drawing/2010/main" val="0"/>
@@ -4880,7 +4845,7 @@
           <p:nvPr/>
         </p:nvPicPr>
         <p:blipFill>
-          <a:blip r:embed="rId13">
+          <a:blip r:embed="rId11">
             <a:extLst>
               <a:ext uri="{28A0092B-C50C-407E-A947-70E740481C1C}">
                 <a14:useLocalDpi xmlns:a14="http://schemas.microsoft.com/office/drawing/2010/main" val="0"/>
@@ -5423,10 +5388,10 @@
           <p:nvPr/>
         </p:nvPicPr>
         <p:blipFill>
-          <a:blip r:embed="rId14">
+          <a:blip r:embed="rId12">
             <a:extLst>
               <a:ext uri="{96DAC541-7B7A-43D3-8B79-37D633B846F1}">
-                <asvg:svgBlip xmlns:asvg="http://schemas.microsoft.com/office/drawing/2016/SVG/main" r:embed="rId15"/>
+                <asvg:svgBlip xmlns:asvg="http://schemas.microsoft.com/office/drawing/2016/SVG/main" r:embed="rId13"/>
               </a:ext>
             </a:extLst>
           </a:blip>
@@ -5436,7 +5401,7 @@
         </p:blipFill>
         <p:spPr>
           <a:xfrm>
-            <a:off x="3418020" y="2168433"/>
+            <a:off x="3424011" y="2168433"/>
             <a:ext cx="381000" cy="381000"/>
           </a:xfrm>
           <a:prstGeom prst="rect">
@@ -5459,7 +5424,7 @@
         <p:spPr>
           <a:xfrm>
             <a:off x="3213462" y="1463039"/>
-            <a:ext cx="9283317" cy="6890740"/>
+            <a:ext cx="9283317" cy="6684011"/>
           </a:xfrm>
           <a:prstGeom prst="rect">
             <a:avLst/>
@@ -5528,7 +5493,7 @@
           <p:nvPr/>
         </p:nvPicPr>
         <p:blipFill>
-          <a:blip r:embed="rId16">
+          <a:blip r:embed="rId14">
             <a:extLst>
               <a:ext uri="{28A0092B-C50C-407E-A947-70E740481C1C}">
                 <a14:useLocalDpi xmlns:a14="http://schemas.microsoft.com/office/drawing/2010/main" val="0"/>
@@ -5542,7 +5507,7 @@
         </p:blipFill>
         <p:spPr bwMode="auto">
           <a:xfrm>
-            <a:off x="11244505" y="2638759"/>
+            <a:off x="11244505" y="2169637"/>
             <a:ext cx="762000" cy="762000"/>
           </a:xfrm>
           <a:prstGeom prst="rect">
@@ -5589,7 +5554,7 @@
         </p:nvSpPr>
         <p:spPr bwMode="auto">
           <a:xfrm>
-            <a:off x="10764784" y="4606005"/>
+            <a:off x="10764784" y="4454936"/>
             <a:ext cx="1726404" cy="276999"/>
           </a:xfrm>
           <a:prstGeom prst="rect">
@@ -5749,7 +5714,7 @@
           <p:nvPr/>
         </p:nvPicPr>
         <p:blipFill>
-          <a:blip r:embed="rId17">
+          <a:blip r:embed="rId15">
             <a:extLst>
               <a:ext uri="{28A0092B-C50C-407E-A947-70E740481C1C}">
                 <a14:useLocalDpi xmlns:a14="http://schemas.microsoft.com/office/drawing/2010/main" val="0"/>
@@ -5763,7 +5728,7 @@
         </p:blipFill>
         <p:spPr bwMode="auto">
           <a:xfrm>
-            <a:off x="11244505" y="3840476"/>
+            <a:off x="11244505" y="3689407"/>
             <a:ext cx="762000" cy="762000"/>
           </a:xfrm>
           <a:prstGeom prst="rect">
@@ -5810,7 +5775,7 @@
         </p:nvSpPr>
         <p:spPr bwMode="auto">
           <a:xfrm>
-            <a:off x="10774563" y="3395495"/>
+            <a:off x="10774563" y="2926373"/>
             <a:ext cx="1716626" cy="276999"/>
           </a:xfrm>
           <a:prstGeom prst="rect">
@@ -5970,7 +5935,7 @@
           <p:nvPr/>
         </p:nvPicPr>
         <p:blipFill>
-          <a:blip r:embed="rId18">
+          <a:blip r:embed="rId16">
             <a:extLst>
               <a:ext uri="{28A0092B-C50C-407E-A947-70E740481C1C}">
                 <a14:useLocalDpi xmlns:a14="http://schemas.microsoft.com/office/drawing/2010/main" val="0"/>
@@ -5984,7 +5949,7 @@
         </p:blipFill>
         <p:spPr bwMode="auto">
           <a:xfrm>
-            <a:off x="11253503" y="5058019"/>
+            <a:off x="11253503" y="5264755"/>
             <a:ext cx="762000" cy="762000"/>
           </a:xfrm>
           <a:prstGeom prst="rect">
@@ -6031,7 +5996,7 @@
         </p:nvSpPr>
         <p:spPr bwMode="auto">
           <a:xfrm>
-            <a:off x="10770687" y="5822079"/>
+            <a:off x="10770687" y="6028815"/>
             <a:ext cx="1720502" cy="276999"/>
           </a:xfrm>
           <a:prstGeom prst="rect">
@@ -6176,6 +6141,41 @@
           </a:p>
         </p:txBody>
       </p:sp>
+      <p:pic>
+        <p:nvPicPr>
+          <p:cNvPr id="43" name="Graphic 42">
+            <a:extLst>
+              <a:ext uri="{FF2B5EF4-FFF2-40B4-BE49-F238E27FC236}">
+                <a16:creationId xmlns:a16="http://schemas.microsoft.com/office/drawing/2014/main" id="{A45B72D5-4CD2-4EE7-947F-4D15547C6094}"/>
+              </a:ext>
+            </a:extLst>
+          </p:cNvPr>
+          <p:cNvPicPr>
+            <a:picLocks noChangeAspect="1"/>
+          </p:cNvPicPr>
+          <p:nvPr/>
+        </p:nvPicPr>
+        <p:blipFill>
+          <a:blip r:embed="rId17">
+            <a:extLst>
+              <a:ext uri="{96DAC541-7B7A-43D3-8B79-37D633B846F1}">
+                <asvg:svgBlip xmlns:asvg="http://schemas.microsoft.com/office/drawing/2016/SVG/main" r:embed="rId18"/>
+              </a:ext>
+            </a:extLst>
+          </a:blip>
+          <a:srcRect/>
+          <a:stretch/>
+        </p:blipFill>
+        <p:spPr>
+          <a:xfrm>
+            <a:off x="3213462" y="1463039"/>
+            <a:ext cx="381000" cy="381000"/>
+          </a:xfrm>
+          <a:prstGeom prst="rect">
+            <a:avLst/>
+          </a:prstGeom>
+        </p:spPr>
+      </p:pic>
     </p:spTree>
     <p:extLst>
       <p:ext uri="{BB962C8B-B14F-4D97-AF65-F5344CB8AC3E}">
